--- a/presentation/Rapid Indexing and Searching of Genomes.pptx
+++ b/presentation/Rapid Indexing and Searching of Genomes.pptx
@@ -4067,7 +4067,7 @@
                   <a:srgbClr val="FFCF06"/>
                 </a:solidFill>
               </a:rPr>
-              <a:t>Conclusion</a:t>
+              <a:t>How can FM-index be used?</a:t>
             </a:r>
             <a:endParaRPr lang="en-US" dirty="0">
               <a:solidFill>
@@ -4096,56 +4096,68 @@
           <a:p>
             <a:r>
               <a:rPr lang="en-US" dirty="0" smtClean="0"/>
-              <a:t>Genome is long</a:t>
+              <a:t>STRs – Short Tandem Repeats</a:t>
             </a:r>
           </a:p>
           <a:p>
             <a:pPr lvl="1"/>
             <a:r>
               <a:rPr lang="en-US" dirty="0" smtClean="0"/>
-              <a:t>~ 3 billion base pairs</a:t>
+              <a:t>Reference : ATGCTA (AC)_10 ATCGATTA</a:t>
             </a:r>
           </a:p>
           <a:p>
             <a:pPr lvl="1"/>
             <a:r>
               <a:rPr lang="en-US" dirty="0" smtClean="0"/>
-              <a:t>How can we do efficient search on the genome?</a:t>
-            </a:r>
+              <a:t>Variant : ATGCTA </a:t>
+            </a:r>
+            <a:r>
+              <a:rPr lang="en-US" dirty="0"/>
+              <a:t>(AC</a:t>
+            </a:r>
+            <a:r>
+              <a:rPr lang="en-US" dirty="0" smtClean="0"/>
+              <a:t>)_20 </a:t>
+            </a:r>
+            <a:r>
+              <a:rPr lang="en-US" dirty="0"/>
+              <a:t>ATCGATTA</a:t>
+            </a:r>
+            <a:endParaRPr lang="en-US" dirty="0" smtClean="0"/>
           </a:p>
           <a:p>
             <a:pPr lvl="1"/>
             <a:r>
               <a:rPr lang="en-US" dirty="0" smtClean="0"/>
-              <a:t>How can we compress the genome?</a:t>
-            </a:r>
-          </a:p>
-          <a:p>
+              <a:t>Counting # of repeats for certain STR locus </a:t>
+            </a:r>
             <a:r>
               <a:rPr lang="en-US" dirty="0" smtClean="0"/>
-              <a:t>FM Indexing</a:t>
+              <a:t>from aligned sequences is hard</a:t>
+            </a:r>
+            <a:endParaRPr lang="en-US" dirty="0" smtClean="0"/>
+          </a:p>
+          <a:p>
+            <a:r>
+              <a:rPr lang="en-US" dirty="0" smtClean="0"/>
+              <a:t>HLA – Genomic region related to autoimmune diseases</a:t>
             </a:r>
           </a:p>
           <a:p>
             <a:pPr lvl="1"/>
             <a:r>
               <a:rPr lang="en-US" dirty="0" smtClean="0"/>
-              <a:t>Places characters with similar right contexts together</a:t>
+              <a:t>HLA region has very high mutation rates – hard to align correctly</a:t>
             </a:r>
           </a:p>
           <a:p>
             <a:pPr lvl="1"/>
             <a:r>
               <a:rPr lang="en-US" dirty="0" smtClean="0"/>
-              <a:t>Efficient O(1) search</a:t>
-            </a:r>
-          </a:p>
-          <a:p>
-            <a:pPr lvl="1"/>
-            <a:r>
-              <a:rPr lang="en-US" dirty="0" smtClean="0"/>
-              <a:t>Good for compression (Huffman Coding)</a:t>
-            </a:r>
+              <a:t>FM-index allows characterizing genetic variation in HLA in an unbiased way</a:t>
+            </a:r>
+            <a:endParaRPr lang="en-US" dirty="0" smtClean="0"/>
           </a:p>
         </p:txBody>
       </p:sp>
@@ -4339,11 +4351,7 @@
             </a:r>
             <a:r>
               <a:rPr lang="en-US" dirty="0" smtClean="0"/>
-              <a:t> </a:t>
-            </a:r>
-            <a:r>
-              <a:rPr lang="en-US" dirty="0" smtClean="0"/>
-              <a:t>Mukherjee</a:t>
+              <a:t> Mukherjee</a:t>
             </a:r>
           </a:p>
           <a:p>

--- a/presentation/Rapid Indexing and Searching of Genomes.pptx
+++ b/presentation/Rapid Indexing and Searching of Genomes.pptx
@@ -10,8 +10,7 @@
     <p:sldId id="259" r:id="rId4"/>
     <p:sldId id="257" r:id="rId5"/>
     <p:sldId id="261" r:id="rId6"/>
-    <p:sldId id="265" r:id="rId7"/>
-    <p:sldId id="260" r:id="rId8"/>
+    <p:sldId id="260" r:id="rId7"/>
   </p:sldIdLst>
   <p:sldSz cx="12192000" cy="6858000"/>
   <p:notesSz cx="6858000" cy="9144000"/>
@@ -3074,28 +3073,43 @@
             <p:ph type="subTitle" idx="1"/>
           </p:nvPr>
         </p:nvSpPr>
-        <p:spPr/>
+        <p:spPr>
+          <a:xfrm>
+            <a:off x="1524000" y="3602038"/>
+            <a:ext cx="9144000" cy="2232092"/>
+          </a:xfrm>
+        </p:spPr>
         <p:txBody>
           <a:bodyPr>
-            <a:normAutofit fontScale="77500" lnSpcReduction="20000"/>
+            <a:normAutofit lnSpcReduction="10000"/>
           </a:bodyPr>
           <a:lstStyle/>
           <a:p>
             <a:r>
+              <a:rPr lang="en-US" dirty="0"/>
+              <a:t>Cynthia Chen, Brown </a:t>
+            </a:r>
+            <a:r>
               <a:rPr lang="en-US" dirty="0" smtClean="0"/>
-              <a:t>Eli Ben-Michael</a:t>
-            </a:r>
+              <a:t>University</a:t>
+            </a:r>
+            <a:endParaRPr lang="en-US" dirty="0" smtClean="0"/>
           </a:p>
           <a:p>
             <a:r>
               <a:rPr lang="en-US" dirty="0" smtClean="0"/>
-              <a:t>Cynthia Chen</a:t>
-            </a:r>
+              <a:t>Eli Ben-Michael, Columbia University</a:t>
+            </a:r>
+            <a:endParaRPr lang="en-US" dirty="0" smtClean="0"/>
           </a:p>
           <a:p>
             <a:r>
               <a:rPr lang="en-US" dirty="0" smtClean="0"/>
-              <a:t>Biostatistics Big Data Summer Institute</a:t>
+              <a:t>Biostatistics </a:t>
+            </a:r>
+            <a:r>
+              <a:rPr lang="en-US" dirty="0" smtClean="0"/>
+              <a:t>Big Data Summer Institute</a:t>
             </a:r>
           </a:p>
           <a:p>
@@ -3324,8 +3338,20 @@
             <a:pPr lvl="1"/>
             <a:r>
               <a:rPr lang="en-US" dirty="0" smtClean="0"/>
-              <a:t>Good for compression (Huffman Coding)</a:t>
-            </a:r>
+              <a:t>Good for compression (Huffman Coding</a:t>
+            </a:r>
+            <a:r>
+              <a:rPr lang="en-US" dirty="0" smtClean="0"/>
+              <a:t>)</a:t>
+            </a:r>
+          </a:p>
+          <a:p>
+            <a:pPr lvl="1"/>
+            <a:r>
+              <a:rPr lang="en-US" dirty="0"/>
+              <a:t>Good reference: http://www.cs.jhu.edu/~langmea/resources/bwt_fm.pdf</a:t>
+            </a:r>
+            <a:endParaRPr lang="en-US" dirty="0" smtClean="0"/>
           </a:p>
         </p:txBody>
       </p:sp>
@@ -3526,38 +3552,8 @@
         </p:blipFill>
         <p:spPr>
           <a:xfrm>
-            <a:off x="1614595" y="1428261"/>
-            <a:ext cx="4072304" cy="5429739"/>
-          </a:xfrm>
-          <a:prstGeom prst="rect">
-            <a:avLst/>
-          </a:prstGeom>
-        </p:spPr>
-      </p:pic>
-      <p:pic>
-        <p:nvPicPr>
-          <p:cNvPr id="8" name="Picture 7"/>
-          <p:cNvPicPr>
-            <a:picLocks noChangeAspect="1"/>
-          </p:cNvPicPr>
-          <p:nvPr/>
-        </p:nvPicPr>
-        <p:blipFill>
-          <a:blip r:embed="rId4" cstate="print">
-            <a:extLst>
-              <a:ext uri="{28A0092B-C50C-407E-A947-70E740481C1C}">
-                <a14:useLocalDpi xmlns:a14="http://schemas.microsoft.com/office/drawing/2010/main" val="0"/>
-              </a:ext>
-            </a:extLst>
-          </a:blip>
-          <a:stretch>
-            <a:fillRect/>
-          </a:stretch>
-        </p:blipFill>
-        <p:spPr>
-          <a:xfrm>
-            <a:off x="6463294" y="1398229"/>
-            <a:ext cx="4754206" cy="5444253"/>
+            <a:off x="2449024" y="1428261"/>
+            <a:ext cx="7293952" cy="5429739"/>
           </a:xfrm>
           <a:prstGeom prst="rect">
             <a:avLst/>
@@ -3669,7 +3665,7 @@
                   <a:srgbClr val="FFCF06"/>
                 </a:solidFill>
               </a:rPr>
-              <a:t>Short Tandem Repeats (STRs)</a:t>
+              <a:t>Applications</a:t>
             </a:r>
             <a:endParaRPr lang="en-US" dirty="0">
               <a:solidFill>
@@ -3750,13 +3746,24 @@
           <a:p>
             <a:pPr lvl="1"/>
             <a:r>
-              <a:rPr lang="en-US" dirty="0"/>
-              <a:t>L</a:t>
-            </a:r>
-            <a:r>
               <a:rPr lang="en-US" dirty="0" smtClean="0"/>
-              <a:t>ittle is known about the frequencies</a:t>
-            </a:r>
+              <a:t>Variation is hard to see when comparing to reference genome</a:t>
+            </a:r>
+          </a:p>
+          <a:p>
+            <a:pPr lvl="1"/>
+            <a:r>
+              <a:rPr lang="en-US" dirty="0" smtClean="0"/>
+              <a:t>Easy to count with FM Index</a:t>
+            </a:r>
+          </a:p>
+          <a:p>
+            <a:pPr lvl="1"/>
+            <a:r>
+              <a:rPr lang="en-US" dirty="0" smtClean="0"/>
+              <a:t>Example: Distribution of dinucleotides</a:t>
+            </a:r>
+            <a:endParaRPr lang="en-US" dirty="0" smtClean="0"/>
           </a:p>
         </p:txBody>
       </p:sp>
@@ -3976,235 +3983,6 @@
 </file>
 
 <file path=ppt/slides/slide6.xml><?xml version="1.0" encoding="utf-8"?>
-<p:sld xmlns:a="http://schemas.openxmlformats.org/drawingml/2006/main" xmlns:r="http://schemas.openxmlformats.org/officeDocument/2006/relationships" xmlns:p="http://schemas.openxmlformats.org/presentationml/2006/main">
-  <p:cSld>
-    <p:bg>
-      <p:bgPr>
-        <a:solidFill>
-          <a:srgbClr val="E6E1C5"/>
-        </a:solidFill>
-        <a:effectLst/>
-      </p:bgPr>
-    </p:bg>
-    <p:spTree>
-      <p:nvGrpSpPr>
-        <p:cNvPr id="1" name=""/>
-        <p:cNvGrpSpPr/>
-        <p:nvPr/>
-      </p:nvGrpSpPr>
-      <p:grpSpPr>
-        <a:xfrm>
-          <a:off x="0" y="0"/>
-          <a:ext cx="0" cy="0"/>
-          <a:chOff x="0" y="0"/>
-          <a:chExt cx="0" cy="0"/>
-        </a:xfrm>
-      </p:grpSpPr>
-      <p:sp>
-        <p:nvSpPr>
-          <p:cNvPr id="4" name="Rectangle 3"/>
-          <p:cNvSpPr/>
-          <p:nvPr/>
-        </p:nvSpPr>
-        <p:spPr>
-          <a:xfrm>
-            <a:off x="0" y="0"/>
-            <a:ext cx="12192000" cy="1536699"/>
-          </a:xfrm>
-          <a:prstGeom prst="rect">
-            <a:avLst/>
-          </a:prstGeom>
-          <a:solidFill>
-            <a:srgbClr val="002D62"/>
-          </a:solidFill>
-          <a:ln>
-            <a:noFill/>
-          </a:ln>
-        </p:spPr>
-        <p:style>
-          <a:lnRef idx="2">
-            <a:schemeClr val="accent1">
-              <a:shade val="50000"/>
-            </a:schemeClr>
-          </a:lnRef>
-          <a:fillRef idx="1">
-            <a:schemeClr val="accent1"/>
-          </a:fillRef>
-          <a:effectRef idx="0">
-            <a:schemeClr val="accent1"/>
-          </a:effectRef>
-          <a:fontRef idx="minor">
-            <a:schemeClr val="lt1"/>
-          </a:fontRef>
-        </p:style>
-        <p:txBody>
-          <a:bodyPr rtlCol="0" anchor="ctr"/>
-          <a:lstStyle/>
-          <a:p>
-            <a:pPr algn="ctr"/>
-            <a:endParaRPr lang="en-US"/>
-          </a:p>
-        </p:txBody>
-      </p:sp>
-      <p:sp>
-        <p:nvSpPr>
-          <p:cNvPr id="2" name="Title 1"/>
-          <p:cNvSpPr>
-            <a:spLocks noGrp="1"/>
-          </p:cNvSpPr>
-          <p:nvPr>
-            <p:ph type="title"/>
-          </p:nvPr>
-        </p:nvSpPr>
-        <p:spPr/>
-        <p:txBody>
-          <a:bodyPr/>
-          <a:lstStyle/>
-          <a:p>
-            <a:r>
-              <a:rPr lang="en-US" dirty="0" smtClean="0">
-                <a:solidFill>
-                  <a:srgbClr val="FFCF06"/>
-                </a:solidFill>
-              </a:rPr>
-              <a:t>How can FM-index be used?</a:t>
-            </a:r>
-            <a:endParaRPr lang="en-US" dirty="0">
-              <a:solidFill>
-                <a:srgbClr val="FFCF06"/>
-              </a:solidFill>
-            </a:endParaRPr>
-          </a:p>
-        </p:txBody>
-      </p:sp>
-      <p:sp>
-        <p:nvSpPr>
-          <p:cNvPr id="3" name="Content Placeholder 2"/>
-          <p:cNvSpPr>
-            <a:spLocks noGrp="1"/>
-          </p:cNvSpPr>
-          <p:nvPr>
-            <p:ph idx="1"/>
-          </p:nvPr>
-        </p:nvSpPr>
-        <p:spPr/>
-        <p:txBody>
-          <a:bodyPr>
-            <a:normAutofit/>
-          </a:bodyPr>
-          <a:lstStyle/>
-          <a:p>
-            <a:r>
-              <a:rPr lang="en-US" dirty="0" smtClean="0"/>
-              <a:t>STRs – Short Tandem Repeats</a:t>
-            </a:r>
-          </a:p>
-          <a:p>
-            <a:pPr lvl="1"/>
-            <a:r>
-              <a:rPr lang="en-US" dirty="0" smtClean="0"/>
-              <a:t>Reference : ATGCTA (AC)_10 ATCGATTA</a:t>
-            </a:r>
-          </a:p>
-          <a:p>
-            <a:pPr lvl="1"/>
-            <a:r>
-              <a:rPr lang="en-US" dirty="0" smtClean="0"/>
-              <a:t>Variant : ATGCTA </a:t>
-            </a:r>
-            <a:r>
-              <a:rPr lang="en-US" dirty="0"/>
-              <a:t>(AC</a:t>
-            </a:r>
-            <a:r>
-              <a:rPr lang="en-US" dirty="0" smtClean="0"/>
-              <a:t>)_20 </a:t>
-            </a:r>
-            <a:r>
-              <a:rPr lang="en-US" dirty="0"/>
-              <a:t>ATCGATTA</a:t>
-            </a:r>
-            <a:endParaRPr lang="en-US" dirty="0" smtClean="0"/>
-          </a:p>
-          <a:p>
-            <a:pPr lvl="1"/>
-            <a:r>
-              <a:rPr lang="en-US" dirty="0" smtClean="0"/>
-              <a:t>Counting # of repeats for certain STR locus </a:t>
-            </a:r>
-            <a:r>
-              <a:rPr lang="en-US" dirty="0" smtClean="0"/>
-              <a:t>from aligned sequences is hard</a:t>
-            </a:r>
-            <a:endParaRPr lang="en-US" dirty="0" smtClean="0"/>
-          </a:p>
-          <a:p>
-            <a:r>
-              <a:rPr lang="en-US" dirty="0" smtClean="0"/>
-              <a:t>HLA – Genomic region related to autoimmune diseases</a:t>
-            </a:r>
-          </a:p>
-          <a:p>
-            <a:pPr lvl="1"/>
-            <a:r>
-              <a:rPr lang="en-US" dirty="0" smtClean="0"/>
-              <a:t>HLA region has very high mutation rates – hard to align correctly</a:t>
-            </a:r>
-          </a:p>
-          <a:p>
-            <a:pPr lvl="1"/>
-            <a:r>
-              <a:rPr lang="en-US" dirty="0" smtClean="0"/>
-              <a:t>FM-index allows characterizing genetic variation in HLA in an unbiased way</a:t>
-            </a:r>
-            <a:endParaRPr lang="en-US" dirty="0" smtClean="0"/>
-          </a:p>
-        </p:txBody>
-      </p:sp>
-      <p:pic>
-        <p:nvPicPr>
-          <p:cNvPr id="5" name="Picture 4"/>
-          <p:cNvPicPr>
-            <a:picLocks noChangeAspect="1"/>
-          </p:cNvPicPr>
-          <p:nvPr/>
-        </p:nvPicPr>
-        <p:blipFill>
-          <a:blip r:embed="rId2">
-            <a:extLst>
-              <a:ext uri="{28A0092B-C50C-407E-A947-70E740481C1C}">
-                <a14:useLocalDpi xmlns:a14="http://schemas.microsoft.com/office/drawing/2010/main" val="0"/>
-              </a:ext>
-            </a:extLst>
-          </a:blip>
-          <a:stretch>
-            <a:fillRect/>
-          </a:stretch>
-        </p:blipFill>
-        <p:spPr>
-          <a:xfrm>
-            <a:off x="10736630" y="0"/>
-            <a:ext cx="1455370" cy="1536699"/>
-          </a:xfrm>
-          <a:prstGeom prst="rect">
-            <a:avLst/>
-          </a:prstGeom>
-        </p:spPr>
-      </p:pic>
-    </p:spTree>
-    <p:extLst>
-      <p:ext uri="{BB962C8B-B14F-4D97-AF65-F5344CB8AC3E}">
-        <p14:creationId xmlns:p14="http://schemas.microsoft.com/office/powerpoint/2010/main" val="3099877615"/>
-      </p:ext>
-    </p:extLst>
-  </p:cSld>
-  <p:clrMapOvr>
-    <a:masterClrMapping/>
-  </p:clrMapOvr>
-</p:sld>
-</file>
-
-<file path=ppt/slides/slide7.xml><?xml version="1.0" encoding="utf-8"?>
 <p:sld xmlns:a="http://schemas.openxmlformats.org/drawingml/2006/main" xmlns:r="http://schemas.openxmlformats.org/officeDocument/2006/relationships" xmlns:p="http://schemas.openxmlformats.org/presentationml/2006/main">
   <p:cSld>
     <p:bg>

--- a/presentation/Rapid Indexing and Searching of Genomes.pptx
+++ b/presentation/Rapid Indexing and Searching of Genomes.pptx
@@ -3093,23 +3093,17 @@
               <a:rPr lang="en-US" dirty="0" smtClean="0"/>
               <a:t>University</a:t>
             </a:r>
-            <a:endParaRPr lang="en-US" dirty="0" smtClean="0"/>
           </a:p>
           <a:p>
             <a:r>
               <a:rPr lang="en-US" dirty="0" smtClean="0"/>
               <a:t>Eli Ben-Michael, Columbia University</a:t>
             </a:r>
-            <a:endParaRPr lang="en-US" dirty="0" smtClean="0"/>
           </a:p>
           <a:p>
             <a:r>
               <a:rPr lang="en-US" dirty="0" smtClean="0"/>
-              <a:t>Biostatistics </a:t>
-            </a:r>
-            <a:r>
-              <a:rPr lang="en-US" dirty="0" smtClean="0"/>
-              <a:t>Big Data Summer Institute</a:t>
+              <a:t>Biostatistics Big Data Summer Institute</a:t>
             </a:r>
           </a:p>
           <a:p>
@@ -3338,11 +3332,7 @@
             <a:pPr lvl="1"/>
             <a:r>
               <a:rPr lang="en-US" dirty="0" smtClean="0"/>
-              <a:t>Good for compression (Huffman Coding</a:t>
-            </a:r>
-            <a:r>
-              <a:rPr lang="en-US" dirty="0" smtClean="0"/>
-              <a:t>)</a:t>
+              <a:t>Good for compression (Huffman Coding)</a:t>
             </a:r>
           </a:p>
           <a:p>
@@ -3763,7 +3753,6 @@
               <a:rPr lang="en-US" dirty="0" smtClean="0"/>
               <a:t>Example: Distribution of dinucleotides</a:t>
             </a:r>
-            <a:endParaRPr lang="en-US" dirty="0" smtClean="0"/>
           </a:p>
         </p:txBody>
       </p:sp>
@@ -3941,14 +3930,14 @@
       </p:pic>
       <p:pic>
         <p:nvPicPr>
-          <p:cNvPr id="4" name="Picture 3"/>
+          <p:cNvPr id="3" name="Picture 2"/>
           <p:cNvPicPr>
             <a:picLocks noChangeAspect="1"/>
           </p:cNvPicPr>
           <p:nvPr/>
         </p:nvPicPr>
         <p:blipFill>
-          <a:blip r:embed="rId3" cstate="print">
+          <a:blip r:embed="rId3">
             <a:extLst>
               <a:ext uri="{28A0092B-C50C-407E-A947-70E740481C1C}">
                 <a14:useLocalDpi xmlns:a14="http://schemas.microsoft.com/office/drawing/2010/main" val="0"/>
@@ -3961,8 +3950,8 @@
         </p:blipFill>
         <p:spPr>
           <a:xfrm>
-            <a:off x="1378528" y="1536698"/>
-            <a:ext cx="9975272" cy="5321301"/>
+            <a:off x="1106886" y="1536698"/>
+            <a:ext cx="9978227" cy="5321301"/>
           </a:xfrm>
           <a:prstGeom prst="rect">
             <a:avLst/>

--- a/presentation/Rapid Indexing and Searching of Genomes.pptx
+++ b/presentation/Rapid Indexing and Searching of Genomes.pptx
@@ -3930,7 +3930,7 @@
       </p:pic>
       <p:pic>
         <p:nvPicPr>
-          <p:cNvPr id="3" name="Picture 2"/>
+          <p:cNvPr id="4" name="Picture 3"/>
           <p:cNvPicPr>
             <a:picLocks noChangeAspect="1"/>
           </p:cNvPicPr>

--- a/presentation/Rapid Indexing and Searching of Genomes.pptx
+++ b/presentation/Rapid Indexing and Searching of Genomes.pptx
@@ -3542,8 +3542,38 @@
         </p:blipFill>
         <p:spPr>
           <a:xfrm>
-            <a:off x="2449024" y="1428261"/>
-            <a:ext cx="7293952" cy="5429739"/>
+            <a:off x="838200" y="1536699"/>
+            <a:ext cx="5162390" cy="5429739"/>
+          </a:xfrm>
+          <a:prstGeom prst="rect">
+            <a:avLst/>
+          </a:prstGeom>
+        </p:spPr>
+      </p:pic>
+      <p:pic>
+        <p:nvPicPr>
+          <p:cNvPr id="3" name="Picture 2"/>
+          <p:cNvPicPr>
+            <a:picLocks noChangeAspect="1"/>
+          </p:cNvPicPr>
+          <p:nvPr/>
+        </p:nvPicPr>
+        <p:blipFill>
+          <a:blip r:embed="rId4" cstate="print">
+            <a:extLst>
+              <a:ext uri="{28A0092B-C50C-407E-A947-70E740481C1C}">
+                <a14:useLocalDpi xmlns:a14="http://schemas.microsoft.com/office/drawing/2010/main" val="0"/>
+              </a:ext>
+            </a:extLst>
+          </a:blip>
+          <a:stretch>
+            <a:fillRect/>
+          </a:stretch>
+        </p:blipFill>
+        <p:spPr>
+          <a:xfrm>
+            <a:off x="6000590" y="1690688"/>
+            <a:ext cx="5832115" cy="5167312"/>
           </a:xfrm>
           <a:prstGeom prst="rect">
             <a:avLst/>
